--- a/ASM_FINAL_DANGNGOCSON_BH01045_PRESENTATION.pptx
+++ b/ASM_FINAL_DANGNGOCSON_BH01045_PRESENTATION.pptx
@@ -85,7 +85,8 @@
     <p:sldId id="426" r:id="rId79"/>
     <p:sldId id="428" r:id="rId80"/>
     <p:sldId id="429" r:id="rId81"/>
-    <p:sldId id="274" r:id="rId82"/>
+    <p:sldId id="430" r:id="rId82"/>
+    <p:sldId id="274" r:id="rId83"/>
   </p:sldIdLst>
   <p:sldSz cx="12192000" cy="6858000"/>
   <p:notesSz cx="6858000" cy="9144000"/>
@@ -30032,15 +30033,61 @@
           </a:bodyPr>
           <a:lstStyle/>
           <a:p>
+            <a:pPr marL="342900" indent="-342900">
+              <a:buFont typeface="Wingdings" panose="05000000000000000000" pitchFamily="2" charset="2"/>
+              <a:buChar char="v"/>
+            </a:pPr>
             <a:r>
               <a:rPr lang="en-US" sz="2000" b="1" dirty="0" smtClean="0">
                 <a:solidFill>
+                  <a:schemeClr val="tx1"/>
+                </a:solidFill>
+                <a:latin typeface="Times New Roman" panose="02020603050405020304" pitchFamily="18" charset="0"/>
+                <a:cs typeface="Times New Roman" panose="02020603050405020304" pitchFamily="18" charset="0"/>
+              </a:rPr>
+              <a:t>Time </a:t>
+            </a:r>
+            <a:r>
+              <a:rPr lang="en-US" sz="2000" b="1" dirty="0">
+                <a:solidFill>
+                  <a:schemeClr val="tx1"/>
+                </a:solidFill>
+                <a:latin typeface="Times New Roman" panose="02020603050405020304" pitchFamily="18" charset="0"/>
+                <a:cs typeface="Times New Roman" panose="02020603050405020304" pitchFamily="18" charset="0"/>
+              </a:rPr>
+              <a:t>Complexity and </a:t>
+            </a:r>
+            <a:r>
+              <a:rPr lang="en-US" sz="2000" b="1" dirty="0" smtClean="0">
+                <a:solidFill>
+                  <a:schemeClr val="tx1"/>
+                </a:solidFill>
+                <a:latin typeface="Times New Roman" panose="02020603050405020304" pitchFamily="18" charset="0"/>
+                <a:cs typeface="Times New Roman" panose="02020603050405020304" pitchFamily="18" charset="0"/>
+              </a:rPr>
+              <a:t>example</a:t>
+            </a:r>
+          </a:p>
+          <a:p>
+            <a:r>
+              <a:rPr lang="en-US" sz="2000" b="1" dirty="0" smtClean="0">
+                <a:solidFill>
                   <a:schemeClr val="bg1"/>
                 </a:solidFill>
                 <a:latin typeface="Times New Roman" panose="02020603050405020304" pitchFamily="18" charset="0"/>
                 <a:cs typeface="Times New Roman" panose="02020603050405020304" pitchFamily="18" charset="0"/>
               </a:rPr>
-              <a:t>Bubble sort</a:t>
+              <a:t>Bubble </a:t>
+            </a:r>
+            <a:r>
+              <a:rPr lang="en-US" sz="2000" b="1" dirty="0" smtClean="0">
+                <a:solidFill>
+                  <a:schemeClr val="bg1"/>
+                </a:solidFill>
+                <a:latin typeface="Times New Roman" panose="02020603050405020304" pitchFamily="18" charset="0"/>
+                <a:cs typeface="Times New Roman" panose="02020603050405020304" pitchFamily="18" charset="0"/>
+              </a:rPr>
+              <a:t>sort</a:t>
             </a:r>
             <a:endParaRPr lang="en-US" sz="2000" b="1" dirty="0">
               <a:solidFill>
@@ -30096,7 +30143,7 @@
         </p:blipFill>
         <p:spPr>
           <a:xfrm>
-            <a:off x="2761447" y="1730743"/>
+            <a:off x="2755487" y="1871420"/>
             <a:ext cx="6763085" cy="4740396"/>
           </a:xfrm>
           <a:prstGeom prst="rect">
@@ -31577,6 +31624,333 @@
 </file>
 
 <file path=ppt/slides/slide81.xml><?xml version="1.0" encoding="utf-8"?>
+<p:sld xmlns:a="http://schemas.openxmlformats.org/drawingml/2006/main" xmlns:r="http://schemas.openxmlformats.org/officeDocument/2006/relationships" xmlns:p="http://schemas.openxmlformats.org/presentationml/2006/main">
+  <p:cSld>
+    <p:spTree>
+      <p:nvGrpSpPr>
+        <p:cNvPr id="1" name=""/>
+        <p:cNvGrpSpPr/>
+        <p:nvPr/>
+      </p:nvGrpSpPr>
+      <p:grpSpPr>
+        <a:xfrm>
+          <a:off x="0" y="0"/>
+          <a:ext cx="0" cy="0"/>
+          <a:chOff x="0" y="0"/>
+          <a:chExt cx="0" cy="0"/>
+        </a:xfrm>
+      </p:grpSpPr>
+      <p:sp>
+        <p:nvSpPr>
+          <p:cNvPr id="2" name="Title 1"/>
+          <p:cNvSpPr>
+            <a:spLocks noGrp="1"/>
+          </p:cNvSpPr>
+          <p:nvPr>
+            <p:ph type="ctrTitle"/>
+          </p:nvPr>
+        </p:nvSpPr>
+        <p:spPr>
+          <a:xfrm>
+            <a:off x="640251" y="545223"/>
+            <a:ext cx="11141440" cy="738037"/>
+          </a:xfrm>
+        </p:spPr>
+        <p:style>
+          <a:lnRef idx="0">
+            <a:schemeClr val="accent3"/>
+          </a:lnRef>
+          <a:fillRef idx="3">
+            <a:schemeClr val="accent3"/>
+          </a:fillRef>
+          <a:effectRef idx="3">
+            <a:schemeClr val="accent3"/>
+          </a:effectRef>
+          <a:fontRef idx="minor">
+            <a:schemeClr val="lt1"/>
+          </a:fontRef>
+        </p:style>
+        <p:txBody>
+          <a:bodyPr>
+            <a:normAutofit fontScale="90000"/>
+          </a:bodyPr>
+          <a:lstStyle/>
+          <a:p>
+            <a:r>
+              <a:rPr lang="en-US" sz="2400" b="1" dirty="0">
+                <a:solidFill>
+                  <a:srgbClr val="FFC000"/>
+                </a:solidFill>
+                <a:latin typeface="Times New Roman" panose="02020603050405020304" pitchFamily="18" charset="0"/>
+                <a:cs typeface="Times New Roman" panose="02020603050405020304" pitchFamily="18" charset="0"/>
+              </a:rPr>
+              <a:t> 4.4 Determine two ways in which the efficiency of an algorithm can be measured, illustrating your answer with an example</a:t>
+            </a:r>
+            <a:endParaRPr lang="en-US" sz="2400" b="1" dirty="0">
+              <a:latin typeface="Times New Roman" panose="02020603050405020304" pitchFamily="18" charset="0"/>
+              <a:cs typeface="Times New Roman" panose="02020603050405020304" pitchFamily="18" charset="0"/>
+            </a:endParaRPr>
+          </a:p>
+        </p:txBody>
+      </p:sp>
+      <p:sp>
+        <p:nvSpPr>
+          <p:cNvPr id="3" name="Subtitle 2"/>
+          <p:cNvSpPr>
+            <a:spLocks noGrp="1"/>
+          </p:cNvSpPr>
+          <p:nvPr>
+            <p:ph type="subTitle" idx="1"/>
+          </p:nvPr>
+        </p:nvSpPr>
+        <p:spPr>
+          <a:xfrm>
+            <a:off x="640251" y="1283260"/>
+            <a:ext cx="11185402" cy="5469232"/>
+          </a:xfrm>
+        </p:spPr>
+        <p:style>
+          <a:lnRef idx="1">
+            <a:schemeClr val="accent2"/>
+          </a:lnRef>
+          <a:fillRef idx="2">
+            <a:schemeClr val="accent2"/>
+          </a:fillRef>
+          <a:effectRef idx="1">
+            <a:schemeClr val="accent2"/>
+          </a:effectRef>
+          <a:fontRef idx="minor">
+            <a:schemeClr val="dk1"/>
+          </a:fontRef>
+        </p:style>
+        <p:txBody>
+          <a:bodyPr>
+            <a:normAutofit/>
+          </a:bodyPr>
+          <a:lstStyle/>
+          <a:p>
+            <a:r>
+              <a:rPr lang="en-US" sz="2000" b="1" dirty="0">
+                <a:solidFill>
+                  <a:schemeClr val="bg1"/>
+                </a:solidFill>
+                <a:latin typeface="Times New Roman" panose="02020603050405020304" pitchFamily="18" charset="0"/>
+                <a:cs typeface="Times New Roman" panose="02020603050405020304" pitchFamily="18" charset="0"/>
+              </a:rPr>
+              <a:t>Space Complexity and Example</a:t>
+            </a:r>
+            <a:endParaRPr lang="en-US" sz="2000" b="1" dirty="0">
+              <a:solidFill>
+                <a:schemeClr val="bg1"/>
+              </a:solidFill>
+              <a:latin typeface="Times New Roman" panose="02020603050405020304" pitchFamily="18" charset="0"/>
+              <a:cs typeface="Times New Roman" panose="02020603050405020304" pitchFamily="18" charset="0"/>
+            </a:endParaRPr>
+          </a:p>
+        </p:txBody>
+      </p:sp>
+      <p:pic>
+        <p:nvPicPr>
+          <p:cNvPr id="4" name="Picture 3"/>
+          <p:cNvPicPr/>
+          <p:nvPr/>
+        </p:nvPicPr>
+        <p:blipFill>
+          <a:blip r:embed="rId2">
+            <a:extLst>
+              <a:ext uri="{28A0092B-C50C-407E-A947-70E740481C1C}">
+                <a14:useLocalDpi xmlns:a14="http://schemas.microsoft.com/office/drawing/2010/main" val="0"/>
+              </a:ext>
+            </a:extLst>
+          </a:blip>
+          <a:stretch>
+            <a:fillRect/>
+          </a:stretch>
+        </p:blipFill>
+        <p:spPr>
+          <a:xfrm>
+            <a:off x="5136905" y="0"/>
+            <a:ext cx="2000250" cy="542925"/>
+          </a:xfrm>
+          <a:prstGeom prst="rect">
+            <a:avLst/>
+          </a:prstGeom>
+        </p:spPr>
+      </p:pic>
+      <p:sp>
+        <p:nvSpPr>
+          <p:cNvPr id="5" name="TextBox 4"/>
+          <p:cNvSpPr txBox="1"/>
+          <p:nvPr/>
+        </p:nvSpPr>
+        <p:spPr>
+          <a:xfrm>
+            <a:off x="411651" y="1725320"/>
+            <a:ext cx="10999176" cy="3416320"/>
+          </a:xfrm>
+          <a:prstGeom prst="rect">
+            <a:avLst/>
+          </a:prstGeom>
+          <a:noFill/>
+        </p:spPr>
+        <p:txBody>
+          <a:bodyPr wrap="square" rtlCol="0">
+            <a:spAutoFit/>
+          </a:bodyPr>
+          <a:lstStyle/>
+          <a:p>
+            <a:pPr lvl="1" algn="just"/>
+            <a:r>
+              <a:rPr lang="en-US" dirty="0">
+                <a:latin typeface="Times New Roman" panose="02020603050405020304" pitchFamily="18" charset="0"/>
+                <a:cs typeface="Times New Roman" panose="02020603050405020304" pitchFamily="18" charset="0"/>
+              </a:rPr>
+              <a:t>Space complexity measures the memory an algorithm uses relative to the input size, including memory for input storage, auxiliary structures, and temporary variables. This is crucial for optimizing algorithms in memory-constrained environments</a:t>
+            </a:r>
+            <a:r>
+              <a:rPr lang="en-US" dirty="0" smtClean="0">
+                <a:latin typeface="Times New Roman" panose="02020603050405020304" pitchFamily="18" charset="0"/>
+                <a:cs typeface="Times New Roman" panose="02020603050405020304" pitchFamily="18" charset="0"/>
+              </a:rPr>
+              <a:t>.</a:t>
+            </a:r>
+          </a:p>
+          <a:p>
+            <a:pPr lvl="1" algn="just"/>
+            <a:endParaRPr lang="en-US" dirty="0" smtClean="0">
+              <a:latin typeface="Times New Roman" panose="02020603050405020304" pitchFamily="18" charset="0"/>
+              <a:cs typeface="Times New Roman" panose="02020603050405020304" pitchFamily="18" charset="0"/>
+            </a:endParaRPr>
+          </a:p>
+          <a:p>
+            <a:pPr lvl="1" algn="just"/>
+            <a:r>
+              <a:rPr lang="en-US" dirty="0" smtClean="0">
+                <a:latin typeface="Times New Roman" panose="02020603050405020304" pitchFamily="18" charset="0"/>
+                <a:cs typeface="Times New Roman" panose="02020603050405020304" pitchFamily="18" charset="0"/>
+              </a:rPr>
+              <a:t>Example: A </a:t>
+            </a:r>
+            <a:r>
+              <a:rPr lang="en-US" dirty="0">
+                <a:latin typeface="Times New Roman" panose="02020603050405020304" pitchFamily="18" charset="0"/>
+                <a:cs typeface="Times New Roman" panose="02020603050405020304" pitchFamily="18" charset="0"/>
+              </a:rPr>
+              <a:t>program storing student details (ID, Name, Marks) has space complexity O(n). If each student object uses 100 bytes</a:t>
+            </a:r>
+            <a:r>
+              <a:rPr lang="en-US" dirty="0" smtClean="0">
+                <a:latin typeface="Times New Roman" panose="02020603050405020304" pitchFamily="18" charset="0"/>
+                <a:cs typeface="Times New Roman" panose="02020603050405020304" pitchFamily="18" charset="0"/>
+              </a:rPr>
+              <a:t>:</a:t>
+            </a:r>
+          </a:p>
+          <a:p>
+            <a:pPr marL="1200150" lvl="2" indent="-285750" algn="just">
+              <a:buFont typeface="Arial" panose="020B0604020202020204" pitchFamily="34" charset="0"/>
+              <a:buChar char="•"/>
+            </a:pPr>
+            <a:r>
+              <a:rPr lang="en-US" dirty="0" smtClean="0">
+                <a:latin typeface="Times New Roman" panose="02020603050405020304" pitchFamily="18" charset="0"/>
+                <a:cs typeface="Times New Roman" panose="02020603050405020304" pitchFamily="18" charset="0"/>
+              </a:rPr>
+              <a:t>For </a:t>
+            </a:r>
+            <a:r>
+              <a:rPr lang="en-US" dirty="0">
+                <a:latin typeface="Times New Roman" panose="02020603050405020304" pitchFamily="18" charset="0"/>
+                <a:cs typeface="Times New Roman" panose="02020603050405020304" pitchFamily="18" charset="0"/>
+              </a:rPr>
+              <a:t>10 students: 10 × 100 = 1,000 bytes</a:t>
+            </a:r>
+            <a:r>
+              <a:rPr lang="en-US" dirty="0" smtClean="0">
+                <a:latin typeface="Times New Roman" panose="02020603050405020304" pitchFamily="18" charset="0"/>
+                <a:cs typeface="Times New Roman" panose="02020603050405020304" pitchFamily="18" charset="0"/>
+              </a:rPr>
+              <a:t>.</a:t>
+            </a:r>
+          </a:p>
+          <a:p>
+            <a:pPr marL="1200150" lvl="2" indent="-285750" algn="just">
+              <a:buFont typeface="Arial" panose="020B0604020202020204" pitchFamily="34" charset="0"/>
+              <a:buChar char="•"/>
+            </a:pPr>
+            <a:r>
+              <a:rPr lang="en-US" dirty="0" smtClean="0">
+                <a:latin typeface="Times New Roman" panose="02020603050405020304" pitchFamily="18" charset="0"/>
+                <a:cs typeface="Times New Roman" panose="02020603050405020304" pitchFamily="18" charset="0"/>
+              </a:rPr>
+              <a:t>For </a:t>
+            </a:r>
+            <a:r>
+              <a:rPr lang="en-US" dirty="0">
+                <a:latin typeface="Times New Roman" panose="02020603050405020304" pitchFamily="18" charset="0"/>
+                <a:cs typeface="Times New Roman" panose="02020603050405020304" pitchFamily="18" charset="0"/>
+              </a:rPr>
+              <a:t>100 students: 100 × 100 = 10,000 bytes</a:t>
+            </a:r>
+            <a:r>
+              <a:rPr lang="en-US" dirty="0" smtClean="0">
+                <a:latin typeface="Times New Roman" panose="02020603050405020304" pitchFamily="18" charset="0"/>
+                <a:cs typeface="Times New Roman" panose="02020603050405020304" pitchFamily="18" charset="0"/>
+              </a:rPr>
+              <a:t>.</a:t>
+            </a:r>
+          </a:p>
+          <a:p>
+            <a:pPr lvl="1" algn="just"/>
+            <a:endParaRPr lang="en-US" dirty="0" smtClean="0">
+              <a:latin typeface="Times New Roman" panose="02020603050405020304" pitchFamily="18" charset="0"/>
+              <a:cs typeface="Times New Roman" panose="02020603050405020304" pitchFamily="18" charset="0"/>
+            </a:endParaRPr>
+          </a:p>
+          <a:p>
+            <a:pPr lvl="1" algn="just"/>
+            <a:r>
+              <a:rPr lang="en-US" dirty="0" smtClean="0">
+                <a:latin typeface="Times New Roman" panose="02020603050405020304" pitchFamily="18" charset="0"/>
+                <a:cs typeface="Times New Roman" panose="02020603050405020304" pitchFamily="18" charset="0"/>
+              </a:rPr>
+              <a:t>This </a:t>
+            </a:r>
+            <a:r>
+              <a:rPr lang="en-US" dirty="0">
+                <a:latin typeface="Times New Roman" panose="02020603050405020304" pitchFamily="18" charset="0"/>
+                <a:cs typeface="Times New Roman" panose="02020603050405020304" pitchFamily="18" charset="0"/>
+              </a:rPr>
+              <a:t>demonstrates how memory usage scales with input size and underscores the importance of efficient data structures and in-place algorithms for large datasets. Balancing time and space complexities ensures overall algorithm efficiency.</a:t>
+            </a:r>
+            <a:endParaRPr lang="en-US" dirty="0">
+              <a:latin typeface="Times New Roman" panose="02020603050405020304" pitchFamily="18" charset="0"/>
+              <a:cs typeface="Times New Roman" panose="02020603050405020304" pitchFamily="18" charset="0"/>
+            </a:endParaRPr>
+          </a:p>
+        </p:txBody>
+      </p:sp>
+    </p:spTree>
+    <p:extLst>
+      <p:ext uri="{BB962C8B-B14F-4D97-AF65-F5344CB8AC3E}">
+        <p14:creationId xmlns:p14="http://schemas.microsoft.com/office/powerpoint/2010/main" val="990244088"/>
+      </p:ext>
+    </p:extLst>
+  </p:cSld>
+  <p:clrMapOvr>
+    <a:masterClrMapping/>
+  </p:clrMapOvr>
+  <p:timing>
+    <p:tnLst>
+      <p:par>
+        <p:cTn id="1" dur="indefinite" restart="never" nodeType="tmRoot"/>
+      </p:par>
+    </p:tnLst>
+  </p:timing>
+</p:sld>
+</file>
+
+<file path=ppt/slides/slide82.xml><?xml version="1.0" encoding="utf-8"?>
 <p:sld xmlns:a="http://schemas.openxmlformats.org/drawingml/2006/main" xmlns:r="http://schemas.openxmlformats.org/officeDocument/2006/relationships" xmlns:p="http://schemas.openxmlformats.org/presentationml/2006/main">
   <p:cSld>
     <p:spTree>
